--- a/teaching/ITIS6200/2023fa/lectures/Week2/Chap02-2018-building.blocks.pptx
+++ b/teaching/ITIS6200/2023fa/lectures/Week2/Chap02-2018-building.blocks.pptx
@@ -387,7 +387,7 @@
             </a:extLst>
           </p:cNvPr>
           <p:cNvSpPr>
-            <a:spLocks noRot="1" noChangeArrowheads="1" noTextEdit="1"/>
+            <a:spLocks noGrp="1" noRot="1" noChangeAspect="1" noChangeArrowheads="1" noTextEdit="1"/>
           </p:cNvSpPr>
           <p:nvPr>
             <p:ph type="sldImg" idx="2"/>
@@ -1002,7 +1002,7 @@
             </a:extLst>
           </p:cNvPr>
           <p:cNvSpPr>
-            <a:spLocks noRot="1" noChangeArrowheads="1" noTextEdit="1"/>
+            <a:spLocks noGrp="1" noRot="1" noChangeAspect="1" noChangeArrowheads="1" noTextEdit="1"/>
           </p:cNvSpPr>
           <p:nvPr>
             <p:ph type="sldImg"/>
@@ -1230,7 +1230,7 @@
             </a:extLst>
           </p:cNvPr>
           <p:cNvSpPr>
-            <a:spLocks noRot="1" noChangeArrowheads="1" noTextEdit="1"/>
+            <a:spLocks noGrp="1" noRot="1" noChangeAspect="1" noChangeArrowheads="1" noTextEdit="1"/>
           </p:cNvSpPr>
           <p:nvPr>
             <p:ph type="sldImg"/>
@@ -1458,7 +1458,7 @@
             </a:extLst>
           </p:cNvPr>
           <p:cNvSpPr>
-            <a:spLocks noRot="1" noChangeArrowheads="1" noTextEdit="1"/>
+            <a:spLocks noGrp="1" noRot="1" noChangeAspect="1" noChangeArrowheads="1" noTextEdit="1"/>
           </p:cNvSpPr>
           <p:nvPr>
             <p:ph type="sldImg"/>
@@ -1686,7 +1686,7 @@
             </a:extLst>
           </p:cNvPr>
           <p:cNvSpPr>
-            <a:spLocks noRot="1" noChangeArrowheads="1" noTextEdit="1"/>
+            <a:spLocks noGrp="1" noRot="1" noChangeAspect="1" noChangeArrowheads="1" noTextEdit="1"/>
           </p:cNvSpPr>
           <p:nvPr>
             <p:ph type="sldImg"/>
@@ -1914,7 +1914,7 @@
             </a:extLst>
           </p:cNvPr>
           <p:cNvSpPr>
-            <a:spLocks noRot="1" noChangeArrowheads="1" noTextEdit="1"/>
+            <a:spLocks noGrp="1" noRot="1" noChangeAspect="1" noChangeArrowheads="1" noTextEdit="1"/>
           </p:cNvSpPr>
           <p:nvPr>
             <p:ph type="sldImg"/>
@@ -2142,7 +2142,7 @@
             </a:extLst>
           </p:cNvPr>
           <p:cNvSpPr>
-            <a:spLocks noRot="1" noChangeArrowheads="1" noTextEdit="1"/>
+            <a:spLocks noGrp="1" noRot="1" noChangeAspect="1" noChangeArrowheads="1" noTextEdit="1"/>
           </p:cNvSpPr>
           <p:nvPr>
             <p:ph type="sldImg"/>
@@ -2370,7 +2370,7 @@
             </a:extLst>
           </p:cNvPr>
           <p:cNvSpPr>
-            <a:spLocks noRot="1" noChangeArrowheads="1" noTextEdit="1"/>
+            <a:spLocks noGrp="1" noRot="1" noChangeAspect="1" noChangeArrowheads="1" noTextEdit="1"/>
           </p:cNvSpPr>
           <p:nvPr>
             <p:ph type="sldImg"/>
@@ -2598,7 +2598,7 @@
             </a:extLst>
           </p:cNvPr>
           <p:cNvSpPr>
-            <a:spLocks noRot="1" noChangeArrowheads="1" noTextEdit="1"/>
+            <a:spLocks noGrp="1" noRot="1" noChangeAspect="1" noChangeArrowheads="1" noTextEdit="1"/>
           </p:cNvSpPr>
           <p:nvPr>
             <p:ph type="sldImg"/>
@@ -2826,7 +2826,7 @@
             </a:extLst>
           </p:cNvPr>
           <p:cNvSpPr>
-            <a:spLocks noRot="1" noChangeArrowheads="1" noTextEdit="1"/>
+            <a:spLocks noGrp="1" noRot="1" noChangeAspect="1" noChangeArrowheads="1" noTextEdit="1"/>
           </p:cNvSpPr>
           <p:nvPr>
             <p:ph type="sldImg"/>
@@ -3054,7 +3054,7 @@
             </a:extLst>
           </p:cNvPr>
           <p:cNvSpPr>
-            <a:spLocks noRot="1" noChangeArrowheads="1" noTextEdit="1"/>
+            <a:spLocks noGrp="1" noRot="1" noChangeAspect="1" noChangeArrowheads="1" noTextEdit="1"/>
           </p:cNvSpPr>
           <p:nvPr>
             <p:ph type="sldImg"/>
@@ -3282,7 +3282,7 @@
             </a:extLst>
           </p:cNvPr>
           <p:cNvSpPr>
-            <a:spLocks noRot="1" noChangeArrowheads="1" noTextEdit="1"/>
+            <a:spLocks noGrp="1" noRot="1" noChangeAspect="1" noChangeArrowheads="1" noTextEdit="1"/>
           </p:cNvSpPr>
           <p:nvPr>
             <p:ph type="sldImg"/>
@@ -3510,7 +3510,7 @@
             </a:extLst>
           </p:cNvPr>
           <p:cNvSpPr>
-            <a:spLocks noRot="1" noChangeArrowheads="1" noTextEdit="1"/>
+            <a:spLocks noGrp="1" noRot="1" noChangeAspect="1" noChangeArrowheads="1" noTextEdit="1"/>
           </p:cNvSpPr>
           <p:nvPr>
             <p:ph type="sldImg"/>
@@ -3738,7 +3738,7 @@
             </a:extLst>
           </p:cNvPr>
           <p:cNvSpPr>
-            <a:spLocks noRot="1" noChangeArrowheads="1" noTextEdit="1"/>
+            <a:spLocks noGrp="1" noRot="1" noChangeAspect="1" noChangeArrowheads="1" noTextEdit="1"/>
           </p:cNvSpPr>
           <p:nvPr>
             <p:ph type="sldImg"/>
@@ -3966,7 +3966,7 @@
             </a:extLst>
           </p:cNvPr>
           <p:cNvSpPr>
-            <a:spLocks noRot="1" noChangeArrowheads="1" noTextEdit="1"/>
+            <a:spLocks noGrp="1" noRot="1" noChangeAspect="1" noChangeArrowheads="1" noTextEdit="1"/>
           </p:cNvSpPr>
           <p:nvPr>
             <p:ph type="sldImg"/>
@@ -4194,7 +4194,7 @@
             </a:extLst>
           </p:cNvPr>
           <p:cNvSpPr>
-            <a:spLocks noRot="1" noChangeArrowheads="1" noTextEdit="1"/>
+            <a:spLocks noGrp="1" noRot="1" noChangeAspect="1" noChangeArrowheads="1" noTextEdit="1"/>
           </p:cNvSpPr>
           <p:nvPr>
             <p:ph type="sldImg"/>
@@ -4422,7 +4422,7 @@
             </a:extLst>
           </p:cNvPr>
           <p:cNvSpPr>
-            <a:spLocks noRot="1" noChangeArrowheads="1" noTextEdit="1"/>
+            <a:spLocks noGrp="1" noRot="1" noChangeAspect="1" noChangeArrowheads="1" noTextEdit="1"/>
           </p:cNvSpPr>
           <p:nvPr>
             <p:ph type="sldImg"/>
@@ -4650,7 +4650,7 @@
             </a:extLst>
           </p:cNvPr>
           <p:cNvSpPr>
-            <a:spLocks noRot="1" noChangeArrowheads="1" noTextEdit="1"/>
+            <a:spLocks noGrp="1" noRot="1" noChangeAspect="1" noChangeArrowheads="1" noTextEdit="1"/>
           </p:cNvSpPr>
           <p:nvPr>
             <p:ph type="sldImg"/>
@@ -4878,7 +4878,7 @@
             </a:extLst>
           </p:cNvPr>
           <p:cNvSpPr>
-            <a:spLocks noRot="1" noChangeArrowheads="1" noTextEdit="1"/>
+            <a:spLocks noGrp="1" noRot="1" noChangeAspect="1" noChangeArrowheads="1" noTextEdit="1"/>
           </p:cNvSpPr>
           <p:nvPr>
             <p:ph type="sldImg"/>
@@ -15197,7 +15197,7 @@
             </a:extLst>
           </p:cNvPr>
           <p:cNvGraphicFramePr>
-            <a:graphicFrameLocks noChangeAspect="1"/>
+            <a:graphicFrameLocks noGrp="1" noChangeAspect="1"/>
           </p:cNvGraphicFramePr>
           <p:nvPr>
             <p:ph sz="half" idx="2"/>
